--- a/day-2/ddd-2.pptx
+++ b/day-2/ddd-2.pptx
@@ -8,10 +8,13 @@
     <p:sldId id="256" r:id="rId2"/>
     <p:sldId id="257" r:id="rId3"/>
     <p:sldId id="263" r:id="rId4"/>
-    <p:sldId id="264" r:id="rId5"/>
-    <p:sldId id="266" r:id="rId6"/>
-    <p:sldId id="265" r:id="rId7"/>
-    <p:sldId id="262" r:id="rId8"/>
+    <p:sldId id="267" r:id="rId5"/>
+    <p:sldId id="268" r:id="rId6"/>
+    <p:sldId id="266" r:id="rId7"/>
+    <p:sldId id="269" r:id="rId8"/>
+    <p:sldId id="264" r:id="rId9"/>
+    <p:sldId id="265" r:id="rId10"/>
+    <p:sldId id="262" r:id="rId11"/>
   </p:sldIdLst>
   <p:sldSz cx="9144000" cy="6858000" type="screen4x3"/>
   <p:notesSz cx="6858000" cy="9144000"/>
@@ -310,7 +313,7 @@
           <a:p>
             <a:fld id="{03683205-7DCF-9447-B5AB-22DFE12CC2DE}" type="datetimeFigureOut">
               <a:rPr lang="en-US" smtClean="0"/>
-              <a:t>7/27/16</a:t>
+              <a:t>7/29/16</a:t>
             </a:fld>
             <a:endParaRPr lang="en-US"/>
           </a:p>
@@ -480,7 +483,7 @@
           <a:p>
             <a:fld id="{03683205-7DCF-9447-B5AB-22DFE12CC2DE}" type="datetimeFigureOut">
               <a:rPr lang="en-US" smtClean="0"/>
-              <a:t>7/27/16</a:t>
+              <a:t>7/29/16</a:t>
             </a:fld>
             <a:endParaRPr lang="en-US"/>
           </a:p>
@@ -660,7 +663,7 @@
           <a:p>
             <a:fld id="{03683205-7DCF-9447-B5AB-22DFE12CC2DE}" type="datetimeFigureOut">
               <a:rPr lang="en-US" smtClean="0"/>
-              <a:t>7/27/16</a:t>
+              <a:t>7/29/16</a:t>
             </a:fld>
             <a:endParaRPr lang="en-US"/>
           </a:p>
@@ -830,7 +833,7 @@
           <a:p>
             <a:fld id="{03683205-7DCF-9447-B5AB-22DFE12CC2DE}" type="datetimeFigureOut">
               <a:rPr lang="en-US" smtClean="0"/>
-              <a:t>7/27/16</a:t>
+              <a:t>7/29/16</a:t>
             </a:fld>
             <a:endParaRPr lang="en-US"/>
           </a:p>
@@ -1076,7 +1079,7 @@
           <a:p>
             <a:fld id="{03683205-7DCF-9447-B5AB-22DFE12CC2DE}" type="datetimeFigureOut">
               <a:rPr lang="en-US" smtClean="0"/>
-              <a:t>7/27/16</a:t>
+              <a:t>7/29/16</a:t>
             </a:fld>
             <a:endParaRPr lang="en-US"/>
           </a:p>
@@ -1364,7 +1367,7 @@
           <a:p>
             <a:fld id="{03683205-7DCF-9447-B5AB-22DFE12CC2DE}" type="datetimeFigureOut">
               <a:rPr lang="en-US" smtClean="0"/>
-              <a:t>7/27/16</a:t>
+              <a:t>7/29/16</a:t>
             </a:fld>
             <a:endParaRPr lang="en-US"/>
           </a:p>
@@ -1786,7 +1789,7 @@
           <a:p>
             <a:fld id="{03683205-7DCF-9447-B5AB-22DFE12CC2DE}" type="datetimeFigureOut">
               <a:rPr lang="en-US" smtClean="0"/>
-              <a:t>7/27/16</a:t>
+              <a:t>7/29/16</a:t>
             </a:fld>
             <a:endParaRPr lang="en-US"/>
           </a:p>
@@ -1904,7 +1907,7 @@
           <a:p>
             <a:fld id="{03683205-7DCF-9447-B5AB-22DFE12CC2DE}" type="datetimeFigureOut">
               <a:rPr lang="en-US" smtClean="0"/>
-              <a:t>7/27/16</a:t>
+              <a:t>7/29/16</a:t>
             </a:fld>
             <a:endParaRPr lang="en-US"/>
           </a:p>
@@ -1999,7 +2002,7 @@
           <a:p>
             <a:fld id="{03683205-7DCF-9447-B5AB-22DFE12CC2DE}" type="datetimeFigureOut">
               <a:rPr lang="en-US" smtClean="0"/>
-              <a:t>7/27/16</a:t>
+              <a:t>7/29/16</a:t>
             </a:fld>
             <a:endParaRPr lang="en-US"/>
           </a:p>
@@ -2276,7 +2279,7 @@
           <a:p>
             <a:fld id="{03683205-7DCF-9447-B5AB-22DFE12CC2DE}" type="datetimeFigureOut">
               <a:rPr lang="en-US" smtClean="0"/>
-              <a:t>7/27/16</a:t>
+              <a:t>7/29/16</a:t>
             </a:fld>
             <a:endParaRPr lang="en-US"/>
           </a:p>
@@ -2529,7 +2532,7 @@
           <a:p>
             <a:fld id="{03683205-7DCF-9447-B5AB-22DFE12CC2DE}" type="datetimeFigureOut">
               <a:rPr lang="en-US" smtClean="0"/>
-              <a:t>7/27/16</a:t>
+              <a:t>7/29/16</a:t>
             </a:fld>
             <a:endParaRPr lang="en-US"/>
           </a:p>
@@ -2742,7 +2745,7 @@
           <a:p>
             <a:fld id="{03683205-7DCF-9447-B5AB-22DFE12CC2DE}" type="datetimeFigureOut">
               <a:rPr lang="en-US" smtClean="0"/>
-              <a:t>7/27/16</a:t>
+              <a:t>7/29/16</a:t>
             </a:fld>
             <a:endParaRPr lang="en-US"/>
           </a:p>
@@ -3168,11 +3171,15 @@
           <a:p>
             <a:r>
               <a:rPr lang="en-US" dirty="0" err="1" smtClean="0"/>
-              <a:t>Devops</a:t>
-            </a:r>
-            <a:r>
-              <a:rPr lang="en-US" dirty="0" smtClean="0"/>
-              <a:t> Team</a:t>
+              <a:t>DevOps</a:t>
+            </a:r>
+            <a:r>
+              <a:rPr lang="en-US" dirty="0" smtClean="0"/>
+              <a:t> </a:t>
+            </a:r>
+            <a:r>
+              <a:rPr lang="en-US" dirty="0" smtClean="0"/>
+              <a:t>Team</a:t>
             </a:r>
             <a:endParaRPr lang="en-US" dirty="0"/>
           </a:p>
@@ -3182,6 +3189,111 @@
     <p:extLst>
       <p:ext uri="{BB962C8B-B14F-4D97-AF65-F5344CB8AC3E}">
         <p14:creationId xmlns:p14="http://schemas.microsoft.com/office/powerpoint/2010/main" val="3724811204"/>
+      </p:ext>
+    </p:extLst>
+  </p:cSld>
+  <p:clrMapOvr>
+    <a:masterClrMapping/>
+  </p:clrMapOvr>
+  <p:timing>
+    <p:tnLst>
+      <p:par>
+        <p:cTn id="1" dur="indefinite" restart="never" nodeType="tmRoot"/>
+      </p:par>
+    </p:tnLst>
+  </p:timing>
+</p:sld>
+</file>
+
+<file path=ppt/slides/slide10.xml><?xml version="1.0" encoding="utf-8"?>
+<p:sld xmlns:a="http://schemas.openxmlformats.org/drawingml/2006/main" xmlns:r="http://schemas.openxmlformats.org/officeDocument/2006/relationships" xmlns:p="http://schemas.openxmlformats.org/presentationml/2006/main">
+  <p:cSld>
+    <p:spTree>
+      <p:nvGrpSpPr>
+        <p:cNvPr id="1" name=""/>
+        <p:cNvGrpSpPr/>
+        <p:nvPr/>
+      </p:nvGrpSpPr>
+      <p:grpSpPr>
+        <a:xfrm>
+          <a:off x="0" y="0"/>
+          <a:ext cx="0" cy="0"/>
+          <a:chOff x="0" y="0"/>
+          <a:chExt cx="0" cy="0"/>
+        </a:xfrm>
+      </p:grpSpPr>
+      <p:sp>
+        <p:nvSpPr>
+          <p:cNvPr id="2" name="Title 1"/>
+          <p:cNvSpPr>
+            <a:spLocks noGrp="1"/>
+          </p:cNvSpPr>
+          <p:nvPr>
+            <p:ph type="title"/>
+          </p:nvPr>
+        </p:nvSpPr>
+        <p:spPr/>
+        <p:txBody>
+          <a:bodyPr/>
+          <a:lstStyle/>
+          <a:p>
+            <a:r>
+              <a:rPr lang="en-US" dirty="0" smtClean="0"/>
+              <a:t>Thanks</a:t>
+            </a:r>
+            <a:endParaRPr lang="en-US" dirty="0"/>
+          </a:p>
+        </p:txBody>
+      </p:sp>
+      <p:sp>
+        <p:nvSpPr>
+          <p:cNvPr id="3" name="Content Placeholder 2"/>
+          <p:cNvSpPr>
+            <a:spLocks noGrp="1"/>
+          </p:cNvSpPr>
+          <p:nvPr>
+            <p:ph idx="1"/>
+          </p:nvPr>
+        </p:nvSpPr>
+        <p:spPr/>
+        <p:txBody>
+          <a:bodyPr/>
+          <a:lstStyle/>
+          <a:p>
+            <a:r>
+              <a:rPr lang="en-US" dirty="0" smtClean="0"/>
+              <a:t>QA</a:t>
+            </a:r>
+          </a:p>
+          <a:p>
+            <a:r>
+              <a:rPr lang="en-US" dirty="0" smtClean="0"/>
+              <a:t>Reference:</a:t>
+            </a:r>
+          </a:p>
+          <a:p>
+            <a:pPr lvl="1"/>
+            <a:r>
+              <a:rPr lang="en-US" dirty="0">
+                <a:hlinkClick r:id="rId2"/>
+              </a:rPr>
+              <a:t>https://docs.docker.com/engine/reference/builder/</a:t>
+            </a:r>
+            <a:endParaRPr lang="en-US" dirty="0"/>
+          </a:p>
+          <a:p>
+            <a:pPr lvl="1"/>
+            <a:endParaRPr lang="en-US" dirty="0" smtClean="0"/>
+          </a:p>
+          <a:p>
+            <a:endParaRPr lang="en-US" dirty="0" smtClean="0"/>
+          </a:p>
+        </p:txBody>
+      </p:sp>
+    </p:spTree>
+    <p:extLst>
+      <p:ext uri="{BB962C8B-B14F-4D97-AF65-F5344CB8AC3E}">
+        <p14:creationId xmlns:p14="http://schemas.microsoft.com/office/powerpoint/2010/main" val="3935736470"/>
       </p:ext>
     </p:extLst>
   </p:cSld>
@@ -3253,22 +3365,38 @@
           <a:bodyPr/>
           <a:lstStyle/>
           <a:p>
-            <a:r>
-              <a:rPr lang="en-US" dirty="0" smtClean="0"/>
-              <a:t>Today’s goal</a:t>
-            </a:r>
-          </a:p>
-          <a:p>
-            <a:r>
-              <a:rPr lang="en-US" dirty="0" err="1" smtClean="0"/>
-              <a:t>Docker</a:t>
-            </a:r>
-            <a:r>
-              <a:rPr lang="en-US" dirty="0" smtClean="0"/>
-              <a:t> running demo</a:t>
-            </a:r>
-          </a:p>
-          <a:p>
+            <a:pPr algn="ctr"/>
+            <a:endParaRPr lang="en-US" dirty="0" smtClean="0"/>
+          </a:p>
+          <a:p>
+            <a:pPr algn="ctr"/>
+            <a:endParaRPr lang="en-US" dirty="0"/>
+          </a:p>
+          <a:p>
+            <a:pPr algn="ctr"/>
+            <a:r>
+              <a:rPr lang="en-US" dirty="0" smtClean="0"/>
+              <a:t>Today’s </a:t>
+            </a:r>
+            <a:r>
+              <a:rPr lang="en-US" dirty="0" smtClean="0"/>
+              <a:t>goal</a:t>
+            </a:r>
+          </a:p>
+          <a:p>
+            <a:pPr algn="ctr"/>
+            <a:r>
+              <a:rPr lang="en-US" dirty="0" smtClean="0"/>
+              <a:t>Dev </a:t>
+            </a:r>
+            <a:r>
+              <a:rPr lang="en-US" dirty="0" smtClean="0"/>
+              <a:t>demo</a:t>
+            </a:r>
+            <a:endParaRPr lang="en-US" dirty="0" smtClean="0"/>
+          </a:p>
+          <a:p>
+            <a:pPr algn="ctr"/>
             <a:r>
               <a:rPr lang="en-US" dirty="0" err="1" smtClean="0"/>
               <a:t>HomeWork</a:t>
@@ -3352,6 +3480,11 @@
           <a:bodyPr/>
           <a:lstStyle/>
           <a:p>
+            <a:pPr algn="ctr"/>
+            <a:endParaRPr lang="en-US" dirty="0" smtClean="0"/>
+          </a:p>
+          <a:p>
+            <a:pPr algn="ctr"/>
             <a:r>
               <a:rPr lang="en-US" dirty="0" err="1" smtClean="0"/>
               <a:t>Dockerfile</a:t>
@@ -3359,6 +3492,7 @@
             <a:endParaRPr lang="en-US" dirty="0" smtClean="0"/>
           </a:p>
           <a:p>
+            <a:pPr algn="ctr"/>
             <a:r>
               <a:rPr lang="en-US" dirty="0" smtClean="0"/>
               <a:t>.</a:t>
@@ -3370,6 +3504,7 @@
             <a:endParaRPr lang="en-US" dirty="0" smtClean="0"/>
           </a:p>
           <a:p>
+            <a:pPr algn="ctr"/>
             <a:r>
               <a:rPr lang="en-US" dirty="0" err="1" smtClean="0"/>
               <a:t>console.sh</a:t>
@@ -3377,9 +3512,18 @@
             <a:endParaRPr lang="en-US" dirty="0" smtClean="0"/>
           </a:p>
           <a:p>
-            <a:r>
-              <a:rPr lang="en-US" dirty="0" smtClean="0"/>
-              <a:t>Running test in </a:t>
+            <a:pPr algn="ctr"/>
+            <a:r>
+              <a:rPr lang="en-US" dirty="0" smtClean="0"/>
+              <a:t>Running </a:t>
+            </a:r>
+            <a:r>
+              <a:rPr lang="en-US" dirty="0" smtClean="0"/>
+              <a:t>tests/build </a:t>
+            </a:r>
+            <a:r>
+              <a:rPr lang="en-US" dirty="0" smtClean="0"/>
+              <a:t>in </a:t>
             </a:r>
             <a:r>
               <a:rPr lang="en-US" dirty="0" err="1" smtClean="0"/>
@@ -3389,23 +3533,10 @@
               <a:rPr lang="en-US" dirty="0" smtClean="0"/>
               <a:t> </a:t>
             </a:r>
-          </a:p>
-          <a:p>
-            <a:r>
-              <a:rPr lang="en-US" dirty="0" smtClean="0"/>
-              <a:t>copy the result out of </a:t>
-            </a:r>
-            <a:r>
-              <a:rPr lang="en-US" dirty="0" err="1" smtClean="0"/>
-              <a:t>docker</a:t>
-            </a:r>
-            <a:r>
-              <a:rPr lang="en-US" dirty="0" smtClean="0"/>
-              <a:t> for ci</a:t>
-            </a:r>
-          </a:p>
-          <a:p>
-            <a:pPr marL="0" indent="0">
+            <a:endParaRPr lang="en-US" dirty="0" smtClean="0"/>
+          </a:p>
+          <a:p>
+            <a:pPr marL="0" indent="0" algn="ctr">
               <a:buNone/>
             </a:pPr>
             <a:endParaRPr lang="en-US" dirty="0"/>
@@ -3458,12 +3589,16 @@
           <a:lstStyle/>
           <a:p>
             <a:r>
+              <a:rPr lang="en-US" dirty="0" smtClean="0"/>
+              <a:t>The </a:t>
+            </a:r>
+            <a:r>
               <a:rPr lang="en-US" dirty="0" err="1" smtClean="0"/>
               <a:t>Docker</a:t>
             </a:r>
             <a:r>
               <a:rPr lang="en-US" dirty="0" smtClean="0"/>
-              <a:t> Demo</a:t>
+              <a:t> Hub</a:t>
             </a:r>
             <a:endParaRPr lang="en-US" dirty="0"/>
           </a:p>
@@ -3486,49 +3621,50 @@
           <a:p>
             <a:r>
               <a:rPr lang="en-US" dirty="0" smtClean="0"/>
-              <a:t>Review last workshop </a:t>
-            </a:r>
-          </a:p>
-          <a:p>
-            <a:r>
-              <a:rPr lang="en-US" dirty="0" smtClean="0"/>
-              <a:t>Create a </a:t>
-            </a:r>
+              <a:t>1000’s of images to pull down and use in your projects</a:t>
+            </a:r>
+          </a:p>
+          <a:p>
+            <a:r>
+              <a:rPr lang="en-US" dirty="0" smtClean="0"/>
+              <a:t>Seamless integration into CLI</a:t>
+            </a:r>
+          </a:p>
+          <a:p>
+            <a:r>
+              <a:rPr lang="en-US" dirty="0" smtClean="0"/>
+              <a:t>Additional Features:</a:t>
+            </a:r>
+          </a:p>
+          <a:p>
+            <a:pPr lvl="1"/>
             <a:r>
               <a:rPr lang="en-US" dirty="0" err="1" smtClean="0"/>
-              <a:t>Dockerfile</a:t>
+              <a:t>Webhooks</a:t>
             </a:r>
             <a:endParaRPr lang="en-US" dirty="0" smtClean="0"/>
           </a:p>
           <a:p>
-            <a:r>
-              <a:rPr lang="en-US" dirty="0" smtClean="0"/>
-              <a:t>Copy SRC code</a:t>
-            </a:r>
-          </a:p>
-          <a:p>
-            <a:r>
-              <a:rPr lang="en-US" dirty="0" smtClean="0"/>
-              <a:t>Run </a:t>
-            </a:r>
-            <a:r>
-              <a:rPr lang="en-US" dirty="0" smtClean="0"/>
-              <a:t>server and tests</a:t>
-            </a:r>
-          </a:p>
-          <a:p>
-            <a:r>
-              <a:rPr lang="en-US" dirty="0" err="1" smtClean="0"/>
-              <a:t>Console.sh</a:t>
-            </a:r>
-            <a:endParaRPr lang="en-US" dirty="0" smtClean="0"/>
+            <a:pPr lvl="1"/>
+            <a:r>
+              <a:rPr lang="en-US" dirty="0" smtClean="0"/>
+              <a:t>Automated builds</a:t>
+            </a:r>
+          </a:p>
+          <a:p>
+            <a:pPr lvl="1"/>
+            <a:r>
+              <a:rPr lang="en-US" dirty="0" smtClean="0"/>
+              <a:t>Private repos</a:t>
+            </a:r>
+            <a:endParaRPr lang="en-US" dirty="0"/>
           </a:p>
         </p:txBody>
       </p:sp>
     </p:spTree>
     <p:extLst>
       <p:ext uri="{BB962C8B-B14F-4D97-AF65-F5344CB8AC3E}">
-        <p14:creationId xmlns:p14="http://schemas.microsoft.com/office/powerpoint/2010/main" val="2091976868"/>
+        <p14:creationId xmlns:p14="http://schemas.microsoft.com/office/powerpoint/2010/main" val="681751"/>
       </p:ext>
     </p:extLst>
   </p:cSld>
@@ -3571,101 +3707,59 @@
           <a:lstStyle/>
           <a:p>
             <a:r>
+              <a:rPr lang="en-US" dirty="0" smtClean="0"/>
+              <a:t>Image “Types”</a:t>
+            </a:r>
+            <a:endParaRPr lang="en-US" dirty="0"/>
+          </a:p>
+        </p:txBody>
+      </p:sp>
+      <p:sp>
+        <p:nvSpPr>
+          <p:cNvPr id="3" name="Content Placeholder 2"/>
+          <p:cNvSpPr>
+            <a:spLocks noGrp="1"/>
+          </p:cNvSpPr>
+          <p:nvPr>
+            <p:ph idx="1"/>
+          </p:nvPr>
+        </p:nvSpPr>
+        <p:spPr/>
+        <p:txBody>
+          <a:bodyPr/>
+          <a:lstStyle/>
+          <a:p>
+            <a:r>
+              <a:rPr lang="en-US" dirty="0" smtClean="0"/>
+              <a:t>Service: self contained images that provide out of the box service (MySQL, </a:t>
+            </a:r>
+            <a:r>
               <a:rPr lang="en-US" dirty="0" err="1" smtClean="0"/>
-              <a:t>Dockerfile</a:t>
-            </a:r>
-            <a:r>
-              <a:rPr lang="en-US" dirty="0" smtClean="0"/>
-              <a:t> Commands</a:t>
-            </a:r>
-            <a:endParaRPr lang="en-US" dirty="0"/>
-          </a:p>
-        </p:txBody>
-      </p:sp>
-      <p:sp>
-        <p:nvSpPr>
-          <p:cNvPr id="3" name="Content Placeholder 2"/>
-          <p:cNvSpPr>
-            <a:spLocks noGrp="1"/>
-          </p:cNvSpPr>
-          <p:nvPr>
-            <p:ph idx="1"/>
-          </p:nvPr>
-        </p:nvSpPr>
-        <p:spPr/>
-        <p:txBody>
-          <a:bodyPr>
-            <a:normAutofit fontScale="92500" lnSpcReduction="20000"/>
-          </a:bodyPr>
-          <a:lstStyle/>
-          <a:p>
-            <a:pPr algn="just"/>
-            <a:r>
-              <a:rPr lang="en-US" dirty="0" smtClean="0"/>
-              <a:t>FROM</a:t>
-            </a:r>
-            <a:endParaRPr lang="en-US" dirty="0"/>
-          </a:p>
-          <a:p>
-            <a:pPr algn="just"/>
-            <a:r>
-              <a:rPr lang="en-US" dirty="0"/>
-              <a:t>WORKDIR</a:t>
-            </a:r>
-          </a:p>
-          <a:p>
-            <a:pPr algn="just"/>
-            <a:r>
-              <a:rPr lang="en-US" dirty="0"/>
-              <a:t>COPY/ADD</a:t>
-            </a:r>
-          </a:p>
-          <a:p>
-            <a:pPr algn="just"/>
-            <a:r>
-              <a:rPr lang="en-US" dirty="0" smtClean="0"/>
-              <a:t>RUN</a:t>
-            </a:r>
-            <a:r>
-              <a:rPr lang="en-US" dirty="0" smtClean="0"/>
-              <a:t>									</a:t>
-            </a:r>
-            <a:endParaRPr lang="en-US" dirty="0" smtClean="0"/>
-          </a:p>
-          <a:p>
-            <a:pPr algn="just"/>
-            <a:r>
-              <a:rPr lang="en-US" dirty="0" smtClean="0"/>
-              <a:t>EXPOSE</a:t>
-            </a:r>
-          </a:p>
-          <a:p>
-            <a:pPr algn="just"/>
-            <a:r>
-              <a:rPr lang="en-US" dirty="0" smtClean="0"/>
-              <a:t>CMD</a:t>
-            </a:r>
-          </a:p>
-          <a:p>
-            <a:pPr algn="just"/>
-            <a:r>
-              <a:rPr lang="en-US" dirty="0"/>
-              <a:t>ENV</a:t>
-            </a:r>
-            <a:endParaRPr lang="en-US" dirty="0" smtClean="0"/>
-          </a:p>
-          <a:p>
-            <a:pPr algn="just"/>
-            <a:r>
-              <a:rPr lang="en-US" dirty="0" smtClean="0"/>
-              <a:t>VOLUME</a:t>
-            </a:r>
-          </a:p>
-          <a:p>
-            <a:pPr algn="just"/>
-            <a:r>
-              <a:rPr lang="en-US" dirty="0" smtClean="0"/>
-              <a:t>ENTRYPOINT</a:t>
+              <a:t>Postgres</a:t>
+            </a:r>
+            <a:r>
+              <a:rPr lang="en-US" dirty="0" smtClean="0"/>
+              <a:t>)</a:t>
+            </a:r>
+          </a:p>
+          <a:p>
+            <a:r>
+              <a:rPr lang="en-US" dirty="0" smtClean="0"/>
+              <a:t>Base: intended to be used as a based for other projects – has the tools installed to get you going (</a:t>
+            </a:r>
+            <a:r>
+              <a:rPr lang="en-US" dirty="0" err="1" smtClean="0"/>
+              <a:t>Golang</a:t>
+            </a:r>
+            <a:r>
+              <a:rPr lang="en-US" dirty="0" smtClean="0"/>
+              <a:t>, Node, Ruby).</a:t>
+            </a:r>
+          </a:p>
+          <a:p>
+            <a:r>
+              <a:rPr lang="en-US" dirty="0" smtClean="0"/>
+              <a:t>Official Images: maintained by organizations themselves</a:t>
             </a:r>
             <a:endParaRPr lang="en-US" dirty="0"/>
           </a:p>
@@ -3674,13 +3768,20 @@
     </p:spTree>
     <p:extLst>
       <p:ext uri="{BB962C8B-B14F-4D97-AF65-F5344CB8AC3E}">
-        <p14:creationId xmlns:p14="http://schemas.microsoft.com/office/powerpoint/2010/main" val="345833533"/>
+        <p14:creationId xmlns:p14="http://schemas.microsoft.com/office/powerpoint/2010/main" val="313370784"/>
       </p:ext>
     </p:extLst>
   </p:cSld>
   <p:clrMapOvr>
     <a:masterClrMapping/>
   </p:clrMapOvr>
+  <p:timing>
+    <p:tnLst>
+      <p:par>
+        <p:cTn id="1" dur="indefinite" restart="never" nodeType="tmRoot"/>
+      </p:par>
+    </p:tnLst>
+  </p:timing>
 </p:sld>
 </file>
 
@@ -3717,12 +3818,12 @@
           <a:lstStyle/>
           <a:p>
             <a:r>
-              <a:rPr lang="en-US" dirty="0" err="1"/>
-              <a:t>H</a:t>
-            </a:r>
-            <a:r>
               <a:rPr lang="en-US" dirty="0" err="1" smtClean="0"/>
-              <a:t>omeworks</a:t>
+              <a:t>Dockerfile</a:t>
+            </a:r>
+            <a:r>
+              <a:rPr lang="en-US" dirty="0" smtClean="0"/>
+              <a:t> Commands</a:t>
             </a:r>
             <a:endParaRPr lang="en-US" dirty="0"/>
           </a:p>
@@ -3740,59 +3841,73 @@
         </p:nvSpPr>
         <p:spPr/>
         <p:txBody>
-          <a:bodyPr/>
-          <a:lstStyle/>
-          <a:p>
-            <a:r>
-              <a:rPr lang="en-US" dirty="0" smtClean="0"/>
-              <a:t>Complete your web service run in </a:t>
-            </a:r>
-            <a:r>
-              <a:rPr lang="en-US" dirty="0" err="1" smtClean="0"/>
-              <a:t>Docker</a:t>
+          <a:bodyPr>
+            <a:normAutofit fontScale="92500" lnSpcReduction="20000"/>
+          </a:bodyPr>
+          <a:lstStyle/>
+          <a:p>
+            <a:pPr algn="just"/>
+            <a:r>
+              <a:rPr lang="en-US" dirty="0" smtClean="0"/>
+              <a:t>FROM</a:t>
+            </a:r>
+            <a:endParaRPr lang="en-US" dirty="0"/>
+          </a:p>
+          <a:p>
+            <a:pPr algn="just"/>
+            <a:r>
+              <a:rPr lang="en-US" dirty="0"/>
+              <a:t>WORKDIR</a:t>
+            </a:r>
+          </a:p>
+          <a:p>
+            <a:pPr algn="just"/>
+            <a:r>
+              <a:rPr lang="en-US" dirty="0"/>
+              <a:t>COPY/ADD</a:t>
+            </a:r>
+          </a:p>
+          <a:p>
+            <a:pPr algn="just"/>
+            <a:r>
+              <a:rPr lang="en-US" dirty="0" smtClean="0"/>
+              <a:t>RUN									</a:t>
+            </a:r>
+          </a:p>
+          <a:p>
+            <a:pPr algn="just"/>
+            <a:r>
+              <a:rPr lang="en-US" dirty="0" smtClean="0"/>
+              <a:t>EXPOSE</a:t>
+            </a:r>
+          </a:p>
+          <a:p>
+            <a:pPr algn="just"/>
+            <a:r>
+              <a:rPr lang="en-US" dirty="0" smtClean="0"/>
+              <a:t>CMD</a:t>
+            </a:r>
+          </a:p>
+          <a:p>
+            <a:pPr algn="just"/>
+            <a:r>
+              <a:rPr lang="en-US" dirty="0"/>
+              <a:t>ENV</a:t>
             </a:r>
             <a:endParaRPr lang="en-US" dirty="0" smtClean="0"/>
           </a:p>
           <a:p>
-            <a:r>
-              <a:rPr lang="en-US" dirty="0" smtClean="0"/>
-              <a:t>Pack a Backend </a:t>
-            </a:r>
-            <a:r>
-              <a:rPr lang="en-US" dirty="0" err="1" smtClean="0"/>
-              <a:t>api</a:t>
-            </a:r>
-            <a:r>
-              <a:rPr lang="en-US" dirty="0" smtClean="0"/>
-              <a:t> server technology</a:t>
-            </a:r>
-          </a:p>
-          <a:p>
-            <a:pPr lvl="1"/>
-            <a:r>
-              <a:rPr lang="en-US" dirty="0" smtClean="0"/>
-              <a:t>Java</a:t>
-            </a:r>
-          </a:p>
-          <a:p>
-            <a:pPr lvl="1"/>
-            <a:r>
-              <a:rPr lang="en-US" dirty="0" smtClean="0"/>
-              <a:t>Scala </a:t>
-            </a:r>
-          </a:p>
-          <a:p>
-            <a:pPr lvl="1"/>
-            <a:r>
-              <a:rPr lang="en-US" dirty="0" smtClean="0"/>
-              <a:t>Ruby</a:t>
-            </a:r>
-          </a:p>
-          <a:p>
-            <a:pPr lvl="1"/>
-            <a:r>
-              <a:rPr lang="en-US" dirty="0" smtClean="0"/>
-              <a:t>Python</a:t>
+            <a:pPr algn="just"/>
+            <a:r>
+              <a:rPr lang="en-US" dirty="0" smtClean="0"/>
+              <a:t>VOLUME</a:t>
+            </a:r>
+          </a:p>
+          <a:p>
+            <a:pPr algn="just"/>
+            <a:r>
+              <a:rPr lang="en-US" dirty="0" smtClean="0"/>
+              <a:t>ENTRYPOINT</a:t>
             </a:r>
             <a:endParaRPr lang="en-US" dirty="0"/>
           </a:p>
@@ -3801,13 +3916,20 @@
     </p:spTree>
     <p:extLst>
       <p:ext uri="{BB962C8B-B14F-4D97-AF65-F5344CB8AC3E}">
-        <p14:creationId xmlns:p14="http://schemas.microsoft.com/office/powerpoint/2010/main" val="964068218"/>
+        <p14:creationId xmlns:p14="http://schemas.microsoft.com/office/powerpoint/2010/main" val="345833533"/>
       </p:ext>
     </p:extLst>
   </p:cSld>
   <p:clrMapOvr>
     <a:masterClrMapping/>
   </p:clrMapOvr>
+  <p:timing>
+    <p:tnLst>
+      <p:par>
+        <p:cTn id="1" dur="indefinite" restart="never" nodeType="tmRoot"/>
+      </p:par>
+    </p:tnLst>
+  </p:timing>
 </p:sld>
 </file>
 
@@ -3844,8 +3966,8 @@
           <a:lstStyle/>
           <a:p>
             <a:r>
-              <a:rPr lang="en-US" dirty="0" smtClean="0"/>
-              <a:t>Thanks</a:t>
+              <a:rPr lang="en-US" dirty="0" err="1" smtClean="0"/>
+              <a:t>Dockerfiles</a:t>
             </a:r>
             <a:endParaRPr lang="en-US" dirty="0"/>
           </a:p>
@@ -3866,40 +3988,403 @@
           <a:bodyPr/>
           <a:lstStyle/>
           <a:p>
-            <a:r>
-              <a:rPr lang="en-US" dirty="0" smtClean="0"/>
-              <a:t>QA</a:t>
-            </a:r>
-          </a:p>
-          <a:p>
-            <a:r>
-              <a:rPr lang="en-US" dirty="0" smtClean="0"/>
-              <a:t>Reference:</a:t>
-            </a:r>
-          </a:p>
-          <a:p>
-            <a:pPr lvl="1"/>
+            <a:pPr marL="0" indent="0">
+              <a:buNone/>
+            </a:pPr>
+            <a:r>
+              <a:rPr lang="en-US" dirty="0" smtClean="0"/>
+              <a:t>Build your own images with a </a:t>
+            </a:r>
+            <a:r>
+              <a:rPr lang="en-US" dirty="0" err="1" smtClean="0">
+                <a:solidFill>
+                  <a:srgbClr val="FFC000"/>
+                </a:solidFill>
+              </a:rPr>
+              <a:t>Dockerfile</a:t>
+            </a:r>
+            <a:endParaRPr lang="en-US" dirty="0" smtClean="0">
+              <a:solidFill>
+                <a:srgbClr val="FFC000"/>
+              </a:solidFill>
+            </a:endParaRPr>
+          </a:p>
+          <a:p>
+            <a:pPr marL="0" indent="0" algn="ctr">
+              <a:buNone/>
+            </a:pPr>
+            <a:r>
+              <a:rPr lang="en-US" dirty="0" err="1" smtClean="0">
+                <a:solidFill>
+                  <a:schemeClr val="tx1">
+                    <a:lumMod val="50000"/>
+                    <a:lumOff val="50000"/>
+                  </a:schemeClr>
+                </a:solidFill>
+              </a:rPr>
+              <a:t>docker</a:t>
+            </a:r>
+            <a:r>
+              <a:rPr lang="en-US" dirty="0" smtClean="0">
+                <a:solidFill>
+                  <a:schemeClr val="tx1">
+                    <a:lumMod val="50000"/>
+                    <a:lumOff val="50000"/>
+                  </a:schemeClr>
+                </a:solidFill>
+              </a:rPr>
+              <a:t> </a:t>
+            </a:r>
             <a:r>
               <a:rPr lang="en-US" dirty="0">
-                <a:hlinkClick r:id="rId2"/>
+                <a:solidFill>
+                  <a:schemeClr val="tx1">
+                    <a:lumMod val="50000"/>
+                    <a:lumOff val="50000"/>
+                  </a:schemeClr>
+                </a:solidFill>
               </a:rPr>
-              <a:t>https://docs.docker.com/engine/reference/builder/</a:t>
+              <a:t>build –t </a:t>
+            </a:r>
+            <a:r>
+              <a:rPr lang="en-US" dirty="0" err="1">
+                <a:solidFill>
+                  <a:schemeClr val="tx1">
+                    <a:lumMod val="50000"/>
+                    <a:lumOff val="50000"/>
+                  </a:schemeClr>
+                </a:solidFill>
+              </a:rPr>
+              <a:t>image:tag</a:t>
+            </a:r>
+            <a:r>
+              <a:rPr lang="en-US" dirty="0">
+                <a:solidFill>
+                  <a:schemeClr val="tx1">
+                    <a:lumMod val="50000"/>
+                    <a:lumOff val="50000"/>
+                  </a:schemeClr>
+                </a:solidFill>
+              </a:rPr>
+              <a:t> </a:t>
+            </a:r>
+            <a:r>
+              <a:rPr lang="en-US" dirty="0" smtClean="0">
+                <a:solidFill>
+                  <a:schemeClr val="tx1">
+                    <a:lumMod val="50000"/>
+                    <a:lumOff val="50000"/>
+                  </a:schemeClr>
+                </a:solidFill>
+              </a:rPr>
+              <a:t>.</a:t>
+            </a:r>
+          </a:p>
+          <a:p>
+            <a:pPr marL="0" indent="0" algn="ctr">
+              <a:buNone/>
+            </a:pPr>
+            <a:endParaRPr lang="en-US" dirty="0">
+              <a:solidFill>
+                <a:schemeClr val="tx1">
+                  <a:lumMod val="50000"/>
+                  <a:lumOff val="50000"/>
+                </a:schemeClr>
+              </a:solidFill>
+            </a:endParaRPr>
+          </a:p>
+          <a:p>
+            <a:pPr marL="0" indent="0">
+              <a:buNone/>
+            </a:pPr>
+            <a:r>
+              <a:rPr lang="en-US" dirty="0" smtClean="0"/>
+              <a:t>Run </a:t>
+            </a:r>
+            <a:r>
+              <a:rPr lang="en-US" dirty="0" err="1" smtClean="0">
+                <a:solidFill>
+                  <a:schemeClr val="tx1">
+                    <a:lumMod val="50000"/>
+                    <a:lumOff val="50000"/>
+                  </a:schemeClr>
+                </a:solidFill>
+              </a:rPr>
+              <a:t>docker</a:t>
+            </a:r>
+            <a:r>
+              <a:rPr lang="en-US" dirty="0" smtClean="0">
+                <a:solidFill>
+                  <a:schemeClr val="tx1">
+                    <a:lumMod val="50000"/>
+                    <a:lumOff val="50000"/>
+                  </a:schemeClr>
+                </a:solidFill>
+              </a:rPr>
+              <a:t> images</a:t>
+            </a:r>
+            <a:r>
+              <a:rPr lang="en-US" dirty="0" smtClean="0"/>
+              <a:t> to see list of images in your computer</a:t>
             </a:r>
             <a:endParaRPr lang="en-US" dirty="0"/>
-          </a:p>
-          <a:p>
-            <a:pPr lvl="1"/>
-            <a:endParaRPr lang="en-US" dirty="0" smtClean="0"/>
-          </a:p>
-          <a:p>
-            <a:endParaRPr lang="en-US" dirty="0" smtClean="0"/>
           </a:p>
         </p:txBody>
       </p:sp>
     </p:spTree>
     <p:extLst>
       <p:ext uri="{BB962C8B-B14F-4D97-AF65-F5344CB8AC3E}">
-        <p14:creationId xmlns:p14="http://schemas.microsoft.com/office/powerpoint/2010/main" val="3935736470"/>
+        <p14:creationId xmlns:p14="http://schemas.microsoft.com/office/powerpoint/2010/main" val="2094053655"/>
+      </p:ext>
+    </p:extLst>
+  </p:cSld>
+  <p:clrMapOvr>
+    <a:masterClrMapping/>
+  </p:clrMapOvr>
+  <p:timing>
+    <p:tnLst>
+      <p:par>
+        <p:cTn id="1" dur="indefinite" restart="never" nodeType="tmRoot"/>
+      </p:par>
+    </p:tnLst>
+  </p:timing>
+</p:sld>
+</file>
+
+<file path=ppt/slides/slide8.xml><?xml version="1.0" encoding="utf-8"?>
+<p:sld xmlns:a="http://schemas.openxmlformats.org/drawingml/2006/main" xmlns:r="http://schemas.openxmlformats.org/officeDocument/2006/relationships" xmlns:p="http://schemas.openxmlformats.org/presentationml/2006/main">
+  <p:cSld>
+    <p:spTree>
+      <p:nvGrpSpPr>
+        <p:cNvPr id="1" name=""/>
+        <p:cNvGrpSpPr/>
+        <p:nvPr/>
+      </p:nvGrpSpPr>
+      <p:grpSpPr>
+        <a:xfrm>
+          <a:off x="0" y="0"/>
+          <a:ext cx="0" cy="0"/>
+          <a:chOff x="0" y="0"/>
+          <a:chExt cx="0" cy="0"/>
+        </a:xfrm>
+      </p:grpSpPr>
+      <p:sp>
+        <p:nvSpPr>
+          <p:cNvPr id="2" name="Title 1"/>
+          <p:cNvSpPr>
+            <a:spLocks noGrp="1"/>
+          </p:cNvSpPr>
+          <p:nvPr>
+            <p:ph type="title"/>
+          </p:nvPr>
+        </p:nvSpPr>
+        <p:spPr/>
+        <p:txBody>
+          <a:bodyPr/>
+          <a:lstStyle/>
+          <a:p>
+            <a:r>
+              <a:rPr lang="en-US" dirty="0" err="1" smtClean="0"/>
+              <a:t>Docker</a:t>
+            </a:r>
+            <a:r>
+              <a:rPr lang="en-US" dirty="0" smtClean="0"/>
+              <a:t> Demo</a:t>
+            </a:r>
+            <a:endParaRPr lang="en-US" dirty="0"/>
+          </a:p>
+        </p:txBody>
+      </p:sp>
+      <p:sp>
+        <p:nvSpPr>
+          <p:cNvPr id="3" name="Content Placeholder 2"/>
+          <p:cNvSpPr>
+            <a:spLocks noGrp="1"/>
+          </p:cNvSpPr>
+          <p:nvPr>
+            <p:ph idx="1"/>
+          </p:nvPr>
+        </p:nvSpPr>
+        <p:spPr/>
+        <p:txBody>
+          <a:bodyPr/>
+          <a:lstStyle/>
+          <a:p>
+            <a:r>
+              <a:rPr lang="en-US" dirty="0" smtClean="0"/>
+              <a:t>Review last workshop </a:t>
+            </a:r>
+          </a:p>
+          <a:p>
+            <a:r>
+              <a:rPr lang="en-US" dirty="0" smtClean="0"/>
+              <a:t>Create a </a:t>
+            </a:r>
+            <a:r>
+              <a:rPr lang="en-US" dirty="0" err="1" smtClean="0"/>
+              <a:t>Dockerfile</a:t>
+            </a:r>
+            <a:endParaRPr lang="en-US" dirty="0" smtClean="0"/>
+          </a:p>
+          <a:p>
+            <a:r>
+              <a:rPr lang="en-US" dirty="0" smtClean="0"/>
+              <a:t>Copy SRC code</a:t>
+            </a:r>
+          </a:p>
+          <a:p>
+            <a:r>
+              <a:rPr lang="en-US" dirty="0" smtClean="0"/>
+              <a:t>Run server and tests</a:t>
+            </a:r>
+          </a:p>
+          <a:p>
+            <a:r>
+              <a:rPr lang="en-US" dirty="0" err="1" smtClean="0"/>
+              <a:t>Console.sh</a:t>
+            </a:r>
+            <a:endParaRPr lang="en-US" dirty="0" smtClean="0"/>
+          </a:p>
+        </p:txBody>
+      </p:sp>
+    </p:spTree>
+    <p:extLst>
+      <p:ext uri="{BB962C8B-B14F-4D97-AF65-F5344CB8AC3E}">
+        <p14:creationId xmlns:p14="http://schemas.microsoft.com/office/powerpoint/2010/main" val="2091976868"/>
+      </p:ext>
+    </p:extLst>
+  </p:cSld>
+  <p:clrMapOvr>
+    <a:masterClrMapping/>
+  </p:clrMapOvr>
+  <p:timing>
+    <p:tnLst>
+      <p:par>
+        <p:cTn id="1" dur="indefinite" restart="never" nodeType="tmRoot"/>
+      </p:par>
+    </p:tnLst>
+  </p:timing>
+</p:sld>
+</file>
+
+<file path=ppt/slides/slide9.xml><?xml version="1.0" encoding="utf-8"?>
+<p:sld xmlns:a="http://schemas.openxmlformats.org/drawingml/2006/main" xmlns:r="http://schemas.openxmlformats.org/officeDocument/2006/relationships" xmlns:p="http://schemas.openxmlformats.org/presentationml/2006/main">
+  <p:cSld>
+    <p:spTree>
+      <p:nvGrpSpPr>
+        <p:cNvPr id="1" name=""/>
+        <p:cNvGrpSpPr/>
+        <p:nvPr/>
+      </p:nvGrpSpPr>
+      <p:grpSpPr>
+        <a:xfrm>
+          <a:off x="0" y="0"/>
+          <a:ext cx="0" cy="0"/>
+          <a:chOff x="0" y="0"/>
+          <a:chExt cx="0" cy="0"/>
+        </a:xfrm>
+      </p:grpSpPr>
+      <p:sp>
+        <p:nvSpPr>
+          <p:cNvPr id="2" name="Title 1"/>
+          <p:cNvSpPr>
+            <a:spLocks noGrp="1"/>
+          </p:cNvSpPr>
+          <p:nvPr>
+            <p:ph type="title"/>
+          </p:nvPr>
+        </p:nvSpPr>
+        <p:spPr/>
+        <p:txBody>
+          <a:bodyPr/>
+          <a:lstStyle/>
+          <a:p>
+            <a:r>
+              <a:rPr lang="en-US" dirty="0" err="1"/>
+              <a:t>H</a:t>
+            </a:r>
+            <a:r>
+              <a:rPr lang="en-US" dirty="0" err="1" smtClean="0"/>
+              <a:t>omeworks</a:t>
+            </a:r>
+            <a:endParaRPr lang="en-US" dirty="0"/>
+          </a:p>
+        </p:txBody>
+      </p:sp>
+      <p:sp>
+        <p:nvSpPr>
+          <p:cNvPr id="3" name="Content Placeholder 2"/>
+          <p:cNvSpPr>
+            <a:spLocks noGrp="1"/>
+          </p:cNvSpPr>
+          <p:nvPr>
+            <p:ph idx="1"/>
+          </p:nvPr>
+        </p:nvSpPr>
+        <p:spPr/>
+        <p:txBody>
+          <a:bodyPr/>
+          <a:lstStyle/>
+          <a:p>
+            <a:r>
+              <a:rPr lang="en-US" dirty="0" smtClean="0"/>
+              <a:t>Complete your web service run in </a:t>
+            </a:r>
+            <a:r>
+              <a:rPr lang="en-US" dirty="0" err="1" smtClean="0"/>
+              <a:t>Docker</a:t>
+            </a:r>
+            <a:endParaRPr lang="en-US" dirty="0" smtClean="0"/>
+          </a:p>
+          <a:p>
+            <a:r>
+              <a:rPr lang="en-US" dirty="0" smtClean="0"/>
+              <a:t>Pack a Backend </a:t>
+            </a:r>
+            <a:r>
+              <a:rPr lang="en-US" dirty="0" err="1" smtClean="0"/>
+              <a:t>api</a:t>
+            </a:r>
+            <a:r>
+              <a:rPr lang="en-US" dirty="0" smtClean="0"/>
+              <a:t> server technology</a:t>
+            </a:r>
+          </a:p>
+          <a:p>
+            <a:pPr lvl="1"/>
+            <a:r>
+              <a:rPr lang="en-US" dirty="0" smtClean="0"/>
+              <a:t>Java</a:t>
+            </a:r>
+          </a:p>
+          <a:p>
+            <a:pPr lvl="1"/>
+            <a:r>
+              <a:rPr lang="en-US" dirty="0" smtClean="0"/>
+              <a:t>Scala </a:t>
+            </a:r>
+          </a:p>
+          <a:p>
+            <a:pPr lvl="1"/>
+            <a:r>
+              <a:rPr lang="en-US" dirty="0" smtClean="0"/>
+              <a:t>Ruby</a:t>
+            </a:r>
+          </a:p>
+          <a:p>
+            <a:pPr lvl="1"/>
+            <a:r>
+              <a:rPr lang="en-US" dirty="0" smtClean="0"/>
+              <a:t>Python</a:t>
+            </a:r>
+            <a:endParaRPr lang="en-US" dirty="0"/>
+          </a:p>
+        </p:txBody>
+      </p:sp>
+    </p:spTree>
+    <p:extLst>
+      <p:ext uri="{BB962C8B-B14F-4D97-AF65-F5344CB8AC3E}">
+        <p14:creationId xmlns:p14="http://schemas.microsoft.com/office/powerpoint/2010/main" val="964068218"/>
       </p:ext>
     </p:extLst>
   </p:cSld>

--- a/day-2/ddd-2.pptx
+++ b/day-2/ddd-2.pptx
@@ -9,12 +9,11 @@
     <p:sldId id="257" r:id="rId3"/>
     <p:sldId id="263" r:id="rId4"/>
     <p:sldId id="267" r:id="rId5"/>
-    <p:sldId id="268" r:id="rId6"/>
+    <p:sldId id="264" r:id="rId6"/>
     <p:sldId id="266" r:id="rId7"/>
     <p:sldId id="269" r:id="rId8"/>
-    <p:sldId id="264" r:id="rId9"/>
-    <p:sldId id="265" r:id="rId10"/>
-    <p:sldId id="262" r:id="rId11"/>
+    <p:sldId id="265" r:id="rId9"/>
+    <p:sldId id="262" r:id="rId10"/>
   </p:sldIdLst>
   <p:sldSz cx="9144000" cy="6858000" type="screen4x3"/>
   <p:notesSz cx="6858000" cy="9144000"/>
@@ -3175,11 +3174,7 @@
             </a:r>
             <a:r>
               <a:rPr lang="en-US" dirty="0" smtClean="0"/>
-              <a:t> </a:t>
-            </a:r>
-            <a:r>
-              <a:rPr lang="en-US" dirty="0" smtClean="0"/>
-              <a:t>Team</a:t>
+              <a:t> Team</a:t>
             </a:r>
             <a:endParaRPr lang="en-US" dirty="0"/>
           </a:p>
@@ -3189,111 +3184,6 @@
     <p:extLst>
       <p:ext uri="{BB962C8B-B14F-4D97-AF65-F5344CB8AC3E}">
         <p14:creationId xmlns:p14="http://schemas.microsoft.com/office/powerpoint/2010/main" val="3724811204"/>
-      </p:ext>
-    </p:extLst>
-  </p:cSld>
-  <p:clrMapOvr>
-    <a:masterClrMapping/>
-  </p:clrMapOvr>
-  <p:timing>
-    <p:tnLst>
-      <p:par>
-        <p:cTn id="1" dur="indefinite" restart="never" nodeType="tmRoot"/>
-      </p:par>
-    </p:tnLst>
-  </p:timing>
-</p:sld>
-</file>
-
-<file path=ppt/slides/slide10.xml><?xml version="1.0" encoding="utf-8"?>
-<p:sld xmlns:a="http://schemas.openxmlformats.org/drawingml/2006/main" xmlns:r="http://schemas.openxmlformats.org/officeDocument/2006/relationships" xmlns:p="http://schemas.openxmlformats.org/presentationml/2006/main">
-  <p:cSld>
-    <p:spTree>
-      <p:nvGrpSpPr>
-        <p:cNvPr id="1" name=""/>
-        <p:cNvGrpSpPr/>
-        <p:nvPr/>
-      </p:nvGrpSpPr>
-      <p:grpSpPr>
-        <a:xfrm>
-          <a:off x="0" y="0"/>
-          <a:ext cx="0" cy="0"/>
-          <a:chOff x="0" y="0"/>
-          <a:chExt cx="0" cy="0"/>
-        </a:xfrm>
-      </p:grpSpPr>
-      <p:sp>
-        <p:nvSpPr>
-          <p:cNvPr id="2" name="Title 1"/>
-          <p:cNvSpPr>
-            <a:spLocks noGrp="1"/>
-          </p:cNvSpPr>
-          <p:nvPr>
-            <p:ph type="title"/>
-          </p:nvPr>
-        </p:nvSpPr>
-        <p:spPr/>
-        <p:txBody>
-          <a:bodyPr/>
-          <a:lstStyle/>
-          <a:p>
-            <a:r>
-              <a:rPr lang="en-US" dirty="0" smtClean="0"/>
-              <a:t>Thanks</a:t>
-            </a:r>
-            <a:endParaRPr lang="en-US" dirty="0"/>
-          </a:p>
-        </p:txBody>
-      </p:sp>
-      <p:sp>
-        <p:nvSpPr>
-          <p:cNvPr id="3" name="Content Placeholder 2"/>
-          <p:cNvSpPr>
-            <a:spLocks noGrp="1"/>
-          </p:cNvSpPr>
-          <p:nvPr>
-            <p:ph idx="1"/>
-          </p:nvPr>
-        </p:nvSpPr>
-        <p:spPr/>
-        <p:txBody>
-          <a:bodyPr/>
-          <a:lstStyle/>
-          <a:p>
-            <a:r>
-              <a:rPr lang="en-US" dirty="0" smtClean="0"/>
-              <a:t>QA</a:t>
-            </a:r>
-          </a:p>
-          <a:p>
-            <a:r>
-              <a:rPr lang="en-US" dirty="0" smtClean="0"/>
-              <a:t>Reference:</a:t>
-            </a:r>
-          </a:p>
-          <a:p>
-            <a:pPr lvl="1"/>
-            <a:r>
-              <a:rPr lang="en-US" dirty="0">
-                <a:hlinkClick r:id="rId2"/>
-              </a:rPr>
-              <a:t>https://docs.docker.com/engine/reference/builder/</a:t>
-            </a:r>
-            <a:endParaRPr lang="en-US" dirty="0"/>
-          </a:p>
-          <a:p>
-            <a:pPr lvl="1"/>
-            <a:endParaRPr lang="en-US" dirty="0" smtClean="0"/>
-          </a:p>
-          <a:p>
-            <a:endParaRPr lang="en-US" dirty="0" smtClean="0"/>
-          </a:p>
-        </p:txBody>
-      </p:sp>
-    </p:spTree>
-    <p:extLst>
-      <p:ext uri="{BB962C8B-B14F-4D97-AF65-F5344CB8AC3E}">
-        <p14:creationId xmlns:p14="http://schemas.microsoft.com/office/powerpoint/2010/main" val="3935736470"/>
       </p:ext>
     </p:extLst>
   </p:cSld>
@@ -3365,15 +3255,6 @@
           <a:bodyPr/>
           <a:lstStyle/>
           <a:p>
-            <a:pPr algn="ctr"/>
-            <a:endParaRPr lang="en-US" dirty="0" smtClean="0"/>
-          </a:p>
-          <a:p>
-            <a:pPr algn="ctr"/>
-            <a:endParaRPr lang="en-US" dirty="0"/>
-          </a:p>
-          <a:p>
-            <a:pPr algn="ctr"/>
             <a:r>
               <a:rPr lang="en-US" dirty="0" smtClean="0"/>
               <a:t>Today’s </a:t>
@@ -3384,19 +3265,12 @@
             </a:r>
           </a:p>
           <a:p>
-            <a:pPr algn="ctr"/>
             <a:r>
               <a:rPr lang="en-US" dirty="0" smtClean="0"/>
-              <a:t>Dev </a:t>
-            </a:r>
-            <a:r>
-              <a:rPr lang="en-US" dirty="0" smtClean="0"/>
-              <a:t>demo</a:t>
-            </a:r>
-            <a:endParaRPr lang="en-US" dirty="0" smtClean="0"/>
-          </a:p>
-          <a:p>
-            <a:pPr algn="ctr"/>
+              <a:t>Dev demo</a:t>
+            </a:r>
+          </a:p>
+          <a:p>
             <a:r>
               <a:rPr lang="en-US" dirty="0" err="1" smtClean="0"/>
               <a:t>HomeWork</a:t>
@@ -3484,18 +3358,13 @@
             <a:endParaRPr lang="en-US" dirty="0" smtClean="0"/>
           </a:p>
           <a:p>
-            <a:pPr algn="ctr"/>
             <a:r>
               <a:rPr lang="en-US" dirty="0" err="1" smtClean="0"/>
               <a:t>Dockerfile</a:t>
             </a:r>
-            <a:endParaRPr lang="en-US" dirty="0" smtClean="0"/>
-          </a:p>
-          <a:p>
-            <a:pPr algn="ctr"/>
-            <a:r>
-              <a:rPr lang="en-US" dirty="0" smtClean="0"/>
-              <a:t>.</a:t>
+            <a:r>
+              <a:rPr lang="en-US" dirty="0"/>
+              <a:t> &amp;&amp; .</a:t>
             </a:r>
             <a:r>
               <a:rPr lang="en-US" dirty="0" err="1" smtClean="0"/>
@@ -3504,34 +3373,39 @@
             <a:endParaRPr lang="en-US" dirty="0" smtClean="0"/>
           </a:p>
           <a:p>
-            <a:pPr algn="ctr"/>
+            <a:r>
+              <a:rPr lang="en-US" dirty="0" smtClean="0"/>
+              <a:t>Development in </a:t>
+            </a:r>
+            <a:r>
+              <a:rPr lang="en-US" dirty="0" err="1" smtClean="0"/>
+              <a:t>docker</a:t>
+            </a:r>
+            <a:endParaRPr lang="en-US" dirty="0" smtClean="0"/>
+          </a:p>
+          <a:p>
+            <a:r>
+              <a:rPr lang="en-US" dirty="0" smtClean="0"/>
+              <a:t>Running </a:t>
+            </a:r>
+            <a:r>
+              <a:rPr lang="en-US" dirty="0"/>
+              <a:t>tests/build in </a:t>
+            </a:r>
+            <a:r>
+              <a:rPr lang="en-US" dirty="0" err="1"/>
+              <a:t>docker</a:t>
+            </a:r>
+            <a:r>
+              <a:rPr lang="en-US" dirty="0"/>
+              <a:t> </a:t>
+            </a:r>
+            <a:endParaRPr lang="en-US" dirty="0" smtClean="0"/>
+          </a:p>
+          <a:p>
             <a:r>
               <a:rPr lang="en-US" dirty="0" err="1" smtClean="0"/>
               <a:t>console.sh</a:t>
-            </a:r>
-            <a:endParaRPr lang="en-US" dirty="0" smtClean="0"/>
-          </a:p>
-          <a:p>
-            <a:pPr algn="ctr"/>
-            <a:r>
-              <a:rPr lang="en-US" dirty="0" smtClean="0"/>
-              <a:t>Running </a:t>
-            </a:r>
-            <a:r>
-              <a:rPr lang="en-US" dirty="0" smtClean="0"/>
-              <a:t>tests/build </a:t>
-            </a:r>
-            <a:r>
-              <a:rPr lang="en-US" dirty="0" smtClean="0"/>
-              <a:t>in </a:t>
-            </a:r>
-            <a:r>
-              <a:rPr lang="en-US" dirty="0" err="1" smtClean="0"/>
-              <a:t>docker</a:t>
-            </a:r>
-            <a:r>
-              <a:rPr lang="en-US" dirty="0" smtClean="0"/>
-              <a:t> </a:t>
             </a:r>
             <a:endParaRPr lang="en-US" dirty="0" smtClean="0"/>
           </a:p>
@@ -3553,6 +3427,13 @@
   <p:clrMapOvr>
     <a:masterClrMapping/>
   </p:clrMapOvr>
+  <p:timing>
+    <p:tnLst>
+      <p:par>
+        <p:cTn id="1" dur="indefinite" restart="never" nodeType="tmRoot"/>
+      </p:par>
+    </p:tnLst>
+  </p:timing>
 </p:sld>
 </file>
 
@@ -3621,7 +3502,15 @@
           <a:p>
             <a:r>
               <a:rPr lang="en-US" dirty="0" smtClean="0"/>
-              <a:t>1000’s of images to pull down and use in your projects</a:t>
+              <a:t>15</a:t>
+            </a:r>
+            <a:r>
+              <a:rPr lang="en-US" dirty="0" smtClean="0"/>
+              <a:t>000+ </a:t>
+            </a:r>
+            <a:r>
+              <a:rPr lang="en-US" dirty="0" smtClean="0"/>
+              <a:t>images to pull down and use in your projects</a:t>
             </a:r>
           </a:p>
           <a:p>
@@ -3671,6 +3560,13 @@
   <p:clrMapOvr>
     <a:masterClrMapping/>
   </p:clrMapOvr>
+  <p:timing>
+    <p:tnLst>
+      <p:par>
+        <p:cTn id="1" dur="indefinite" restart="never" nodeType="tmRoot"/>
+      </p:par>
+    </p:tnLst>
+  </p:timing>
 </p:sld>
 </file>
 
@@ -3707,8 +3603,12 @@
           <a:lstStyle/>
           <a:p>
             <a:r>
+              <a:rPr lang="en-US" dirty="0" err="1" smtClean="0"/>
+              <a:t>Docker</a:t>
+            </a:r>
+            <a:r>
               <a:rPr lang="en-US" dirty="0" smtClean="0"/>
-              <a:t>Image “Types”</a:t>
+              <a:t> Demo</a:t>
             </a:r>
             <a:endParaRPr lang="en-US" dirty="0"/>
           </a:p>
@@ -3731,44 +3631,45 @@
           <a:p>
             <a:r>
               <a:rPr lang="en-US" dirty="0" smtClean="0"/>
-              <a:t>Service: self contained images that provide out of the box service (MySQL, </a:t>
+              <a:t>Review last workshop </a:t>
+            </a:r>
+          </a:p>
+          <a:p>
+            <a:r>
+              <a:rPr lang="en-US" dirty="0" smtClean="0"/>
+              <a:t>Create a </a:t>
             </a:r>
             <a:r>
               <a:rPr lang="en-US" dirty="0" err="1" smtClean="0"/>
-              <a:t>Postgres</a:t>
-            </a:r>
+              <a:t>Dockerfile</a:t>
+            </a:r>
+            <a:endParaRPr lang="en-US" dirty="0" smtClean="0"/>
+          </a:p>
+          <a:p>
             <a:r>
               <a:rPr lang="en-US" dirty="0" smtClean="0"/>
-              <a:t>)</a:t>
+              <a:t>Copy SRC code</a:t>
             </a:r>
           </a:p>
           <a:p>
             <a:r>
               <a:rPr lang="en-US" dirty="0" smtClean="0"/>
-              <a:t>Base: intended to be used as a based for other projects – has the tools installed to get you going (</a:t>
-            </a:r>
+              <a:t>Run server and tests</a:t>
+            </a:r>
+          </a:p>
+          <a:p>
             <a:r>
               <a:rPr lang="en-US" dirty="0" err="1" smtClean="0"/>
-              <a:t>Golang</a:t>
-            </a:r>
-            <a:r>
-              <a:rPr lang="en-US" dirty="0" smtClean="0"/>
-              <a:t>, Node, Ruby).</a:t>
-            </a:r>
-          </a:p>
-          <a:p>
-            <a:r>
-              <a:rPr lang="en-US" dirty="0" smtClean="0"/>
-              <a:t>Official Images: maintained by organizations themselves</a:t>
-            </a:r>
-            <a:endParaRPr lang="en-US" dirty="0"/>
+              <a:t>Console.sh</a:t>
+            </a:r>
+            <a:endParaRPr lang="en-US" dirty="0" smtClean="0"/>
           </a:p>
         </p:txBody>
       </p:sp>
     </p:spTree>
     <p:extLst>
       <p:ext uri="{BB962C8B-B14F-4D97-AF65-F5344CB8AC3E}">
-        <p14:creationId xmlns:p14="http://schemas.microsoft.com/office/powerpoint/2010/main" val="313370784"/>
+        <p14:creationId xmlns:p14="http://schemas.microsoft.com/office/powerpoint/2010/main" val="2091976868"/>
       </p:ext>
     </p:extLst>
   </p:cSld>
@@ -3998,28 +3899,30 @@
             <a:r>
               <a:rPr lang="en-US" dirty="0" err="1" smtClean="0">
                 <a:solidFill>
-                  <a:srgbClr val="FFC000"/>
+                  <a:srgbClr val="FF0000"/>
                 </a:solidFill>
               </a:rPr>
               <a:t>Dockerfile</a:t>
             </a:r>
             <a:endParaRPr lang="en-US" dirty="0" smtClean="0">
               <a:solidFill>
-                <a:srgbClr val="FFC000"/>
+                <a:srgbClr val="FF0000"/>
               </a:solidFill>
             </a:endParaRPr>
           </a:p>
           <a:p>
-            <a:pPr marL="0" indent="0" algn="ctr">
-              <a:buNone/>
-            </a:pPr>
+            <a:r>
+              <a:rPr lang="en-US" dirty="0" smtClean="0">
+                <a:solidFill>
+                  <a:srgbClr val="FF0000"/>
+                </a:solidFill>
+              </a:rPr>
+              <a:t>$ </a:t>
+            </a:r>
             <a:r>
               <a:rPr lang="en-US" dirty="0" err="1" smtClean="0">
                 <a:solidFill>
-                  <a:schemeClr val="tx1">
-                    <a:lumMod val="50000"/>
-                    <a:lumOff val="50000"/>
-                  </a:schemeClr>
+                  <a:srgbClr val="FF0000"/>
                 </a:solidFill>
               </a:rPr>
               <a:t>docker</a:t>
@@ -4027,10 +3930,7 @@
             <a:r>
               <a:rPr lang="en-US" dirty="0" smtClean="0">
                 <a:solidFill>
-                  <a:schemeClr val="tx1">
-                    <a:lumMod val="50000"/>
-                    <a:lumOff val="50000"/>
-                  </a:schemeClr>
+                  <a:srgbClr val="FF0000"/>
                 </a:solidFill>
               </a:rPr>
               <a:t> </a:t>
@@ -4038,10 +3938,7 @@
             <a:r>
               <a:rPr lang="en-US" dirty="0">
                 <a:solidFill>
-                  <a:schemeClr val="tx1">
-                    <a:lumMod val="50000"/>
-                    <a:lumOff val="50000"/>
-                  </a:schemeClr>
+                  <a:srgbClr val="FF0000"/>
                 </a:solidFill>
               </a:rPr>
               <a:t>build –t </a:t>
@@ -4049,10 +3946,7 @@
             <a:r>
               <a:rPr lang="en-US" dirty="0" err="1">
                 <a:solidFill>
-                  <a:schemeClr val="tx1">
-                    <a:lumMod val="50000"/>
-                    <a:lumOff val="50000"/>
-                  </a:schemeClr>
+                  <a:srgbClr val="FF0000"/>
                 </a:solidFill>
               </a:rPr>
               <a:t>image:tag</a:t>
@@ -4060,10 +3954,7 @@
             <a:r>
               <a:rPr lang="en-US" dirty="0">
                 <a:solidFill>
-                  <a:schemeClr val="tx1">
-                    <a:lumMod val="50000"/>
-                    <a:lumOff val="50000"/>
-                  </a:schemeClr>
+                  <a:srgbClr val="FF0000"/>
                 </a:solidFill>
               </a:rPr>
               <a:t> </a:t>
@@ -4071,43 +3962,25 @@
             <a:r>
               <a:rPr lang="en-US" dirty="0" smtClean="0">
                 <a:solidFill>
-                  <a:schemeClr val="tx1">
-                    <a:lumMod val="50000"/>
-                    <a:lumOff val="50000"/>
-                  </a:schemeClr>
+                  <a:srgbClr val="FF0000"/>
                 </a:solidFill>
               </a:rPr>
               <a:t>.</a:t>
             </a:r>
           </a:p>
           <a:p>
-            <a:pPr marL="0" indent="0" algn="ctr">
-              <a:buNone/>
-            </a:pPr>
-            <a:endParaRPr lang="en-US" dirty="0">
-              <a:solidFill>
-                <a:schemeClr val="tx1">
-                  <a:lumMod val="50000"/>
-                  <a:lumOff val="50000"/>
-                </a:schemeClr>
-              </a:solidFill>
-            </a:endParaRPr>
-          </a:p>
-          <a:p>
-            <a:pPr marL="0" indent="0">
-              <a:buNone/>
-            </a:pPr>
-            <a:r>
-              <a:rPr lang="en-US" dirty="0" smtClean="0"/>
-              <a:t>Run </a:t>
+            <a:r>
+              <a:rPr lang="en-US" dirty="0" smtClean="0">
+                <a:solidFill>
+                  <a:srgbClr val="FF0000"/>
+                </a:solidFill>
+              </a:rPr>
+              <a:t>$ </a:t>
             </a:r>
             <a:r>
               <a:rPr lang="en-US" dirty="0" err="1" smtClean="0">
                 <a:solidFill>
-                  <a:schemeClr val="tx1">
-                    <a:lumMod val="50000"/>
-                    <a:lumOff val="50000"/>
-                  </a:schemeClr>
+                  <a:srgbClr val="FF0000"/>
                 </a:solidFill>
               </a:rPr>
               <a:t>docker</a:t>
@@ -4115,19 +3988,16 @@
             <a:r>
               <a:rPr lang="en-US" dirty="0" smtClean="0">
                 <a:solidFill>
-                  <a:schemeClr val="tx1">
-                    <a:lumMod val="50000"/>
-                    <a:lumOff val="50000"/>
-                  </a:schemeClr>
+                  <a:srgbClr val="FF0000"/>
                 </a:solidFill>
               </a:rPr>
               <a:t> images</a:t>
             </a:r>
-            <a:r>
-              <a:rPr lang="en-US" dirty="0" smtClean="0"/>
-              <a:t> to see list of images in your computer</a:t>
-            </a:r>
-            <a:endParaRPr lang="en-US" dirty="0"/>
+            <a:endParaRPr lang="en-US" dirty="0" smtClean="0">
+              <a:solidFill>
+                <a:srgbClr val="FF0000"/>
+              </a:solidFill>
+            </a:endParaRPr>
           </a:p>
         </p:txBody>
       </p:sp>
@@ -4184,73 +4054,102 @@
           <a:lstStyle/>
           <a:p>
             <a:r>
+              <a:rPr lang="en-US" dirty="0" err="1"/>
+              <a:t>H</a:t>
+            </a:r>
+            <a:r>
+              <a:rPr lang="en-US" dirty="0" err="1" smtClean="0"/>
+              <a:t>omeworks</a:t>
+            </a:r>
+            <a:endParaRPr lang="en-US" dirty="0"/>
+          </a:p>
+        </p:txBody>
+      </p:sp>
+      <p:sp>
+        <p:nvSpPr>
+          <p:cNvPr id="3" name="Content Placeholder 2"/>
+          <p:cNvSpPr>
+            <a:spLocks noGrp="1"/>
+          </p:cNvSpPr>
+          <p:nvPr>
+            <p:ph idx="1"/>
+          </p:nvPr>
+        </p:nvSpPr>
+        <p:spPr/>
+        <p:txBody>
+          <a:bodyPr/>
+          <a:lstStyle/>
+          <a:p>
+            <a:r>
+              <a:rPr lang="en-US" dirty="0" smtClean="0"/>
+              <a:t>Complete your web service run in </a:t>
+            </a:r>
+            <a:r>
               <a:rPr lang="en-US" dirty="0" err="1" smtClean="0"/>
               <a:t>Docker</a:t>
             </a:r>
+            <a:endParaRPr lang="en-US" dirty="0" smtClean="0"/>
+          </a:p>
+          <a:p>
             <a:r>
               <a:rPr lang="en-US" dirty="0" smtClean="0"/>
-              <a:t> Demo</a:t>
+              <a:t>Pick a </a:t>
+            </a:r>
+            <a:r>
+              <a:rPr lang="en-US" dirty="0" smtClean="0"/>
+              <a:t>Backend </a:t>
+            </a:r>
+            <a:r>
+              <a:rPr lang="en-US" dirty="0" err="1" smtClean="0"/>
+              <a:t>api</a:t>
+            </a:r>
+            <a:r>
+              <a:rPr lang="en-US" dirty="0" smtClean="0"/>
+              <a:t> server technology</a:t>
+            </a:r>
+          </a:p>
+          <a:p>
+            <a:pPr lvl="1"/>
+            <a:r>
+              <a:rPr lang="en-US" dirty="0" smtClean="0"/>
+              <a:t>Java</a:t>
+            </a:r>
+          </a:p>
+          <a:p>
+            <a:pPr lvl="1"/>
+            <a:r>
+              <a:rPr lang="en-US" dirty="0" smtClean="0"/>
+              <a:t>Scala </a:t>
+            </a:r>
+          </a:p>
+          <a:p>
+            <a:pPr lvl="1"/>
+            <a:r>
+              <a:rPr lang="en-US" dirty="0" smtClean="0"/>
+              <a:t>Ruby</a:t>
+            </a:r>
+          </a:p>
+          <a:p>
+            <a:pPr lvl="1"/>
+            <a:r>
+              <a:rPr lang="en-US" smtClean="0"/>
+              <a:t>Python</a:t>
+            </a:r>
+          </a:p>
+          <a:p>
+            <a:pPr lvl="1"/>
+            <a:r>
+              <a:rPr lang="en-US" smtClean="0"/>
+              <a:t>Go</a:t>
             </a:r>
             <a:endParaRPr lang="en-US" dirty="0"/>
-          </a:p>
-        </p:txBody>
-      </p:sp>
-      <p:sp>
-        <p:nvSpPr>
-          <p:cNvPr id="3" name="Content Placeholder 2"/>
-          <p:cNvSpPr>
-            <a:spLocks noGrp="1"/>
-          </p:cNvSpPr>
-          <p:nvPr>
-            <p:ph idx="1"/>
-          </p:nvPr>
-        </p:nvSpPr>
-        <p:spPr/>
-        <p:txBody>
-          <a:bodyPr/>
-          <a:lstStyle/>
-          <a:p>
-            <a:r>
-              <a:rPr lang="en-US" dirty="0" smtClean="0"/>
-              <a:t>Review last workshop </a:t>
-            </a:r>
-          </a:p>
-          <a:p>
-            <a:r>
-              <a:rPr lang="en-US" dirty="0" smtClean="0"/>
-              <a:t>Create a </a:t>
-            </a:r>
-            <a:r>
-              <a:rPr lang="en-US" dirty="0" err="1" smtClean="0"/>
-              <a:t>Dockerfile</a:t>
-            </a:r>
-            <a:endParaRPr lang="en-US" dirty="0" smtClean="0"/>
-          </a:p>
-          <a:p>
-            <a:r>
-              <a:rPr lang="en-US" dirty="0" smtClean="0"/>
-              <a:t>Copy SRC code</a:t>
-            </a:r>
-          </a:p>
-          <a:p>
-            <a:r>
-              <a:rPr lang="en-US" dirty="0" smtClean="0"/>
-              <a:t>Run server and tests</a:t>
-            </a:r>
-          </a:p>
-          <a:p>
-            <a:r>
-              <a:rPr lang="en-US" dirty="0" err="1" smtClean="0"/>
-              <a:t>Console.sh</a:t>
-            </a:r>
-            <a:endParaRPr lang="en-US" dirty="0" smtClean="0"/>
           </a:p>
         </p:txBody>
       </p:sp>
     </p:spTree>
     <p:extLst>
       <p:ext uri="{BB962C8B-B14F-4D97-AF65-F5344CB8AC3E}">
-        <p14:creationId xmlns:p14="http://schemas.microsoft.com/office/powerpoint/2010/main" val="2091976868"/>
+        <p14:creationId xmlns:p14="http://schemas.microsoft.com/office/powerpoint/2010/main" val="964068218"/>
       </p:ext>
     </p:extLst>
   </p:cSld>
@@ -4300,12 +4199,8 @@
           <a:lstStyle/>
           <a:p>
             <a:r>
-              <a:rPr lang="en-US" dirty="0" err="1"/>
-              <a:t>H</a:t>
-            </a:r>
-            <a:r>
-              <a:rPr lang="en-US" dirty="0" err="1" smtClean="0"/>
-              <a:t>omeworks</a:t>
+              <a:rPr lang="en-US" dirty="0" smtClean="0"/>
+              <a:t>Thanks</a:t>
             </a:r>
             <a:endParaRPr lang="en-US" dirty="0"/>
           </a:p>
@@ -4328,63 +4223,38 @@
           <a:p>
             <a:r>
               <a:rPr lang="en-US" dirty="0" smtClean="0"/>
-              <a:t>Complete your web service run in </a:t>
-            </a:r>
-            <a:r>
-              <a:rPr lang="en-US" dirty="0" err="1" smtClean="0"/>
-              <a:t>Docker</a:t>
-            </a:r>
+              <a:t>QA</a:t>
+            </a:r>
+          </a:p>
+          <a:p>
+            <a:r>
+              <a:rPr lang="en-US" dirty="0" smtClean="0"/>
+              <a:t>Reference:</a:t>
+            </a:r>
+          </a:p>
+          <a:p>
+            <a:pPr lvl="1"/>
+            <a:r>
+              <a:rPr lang="en-US" dirty="0">
+                <a:hlinkClick r:id="rId2"/>
+              </a:rPr>
+              <a:t>https://docs.docker.com/engine/reference/builder/</a:t>
+            </a:r>
+            <a:endParaRPr lang="en-US" dirty="0"/>
+          </a:p>
+          <a:p>
+            <a:pPr lvl="1"/>
             <a:endParaRPr lang="en-US" dirty="0" smtClean="0"/>
           </a:p>
           <a:p>
-            <a:r>
-              <a:rPr lang="en-US" dirty="0" smtClean="0"/>
-              <a:t>Pack a Backend </a:t>
-            </a:r>
-            <a:r>
-              <a:rPr lang="en-US" dirty="0" err="1" smtClean="0"/>
-              <a:t>api</a:t>
-            </a:r>
-            <a:r>
-              <a:rPr lang="en-US" dirty="0" smtClean="0"/>
-              <a:t> server technology</a:t>
-            </a:r>
-          </a:p>
-          <a:p>
-            <a:pPr lvl="1"/>
-            <a:r>
-              <a:rPr lang="en-US" dirty="0" smtClean="0"/>
-              <a:t>Java</a:t>
-            </a:r>
-          </a:p>
-          <a:p>
-            <a:pPr lvl="1"/>
-            <a:r>
-              <a:rPr lang="en-US" dirty="0" smtClean="0"/>
-              <a:t>Scala </a:t>
-            </a:r>
-          </a:p>
-          <a:p>
-            <a:pPr lvl="1"/>
-            <a:r>
-              <a:rPr lang="en-US" dirty="0" smtClean="0"/>
-              <a:t>Ruby</a:t>
-            </a:r>
-          </a:p>
-          <a:p>
-            <a:pPr lvl="1"/>
-            <a:r>
-              <a:rPr lang="en-US" dirty="0" smtClean="0"/>
-              <a:t>Python</a:t>
-            </a:r>
-            <a:endParaRPr lang="en-US" dirty="0"/>
+            <a:endParaRPr lang="en-US" dirty="0" smtClean="0"/>
           </a:p>
         </p:txBody>
       </p:sp>
     </p:spTree>
     <p:extLst>
       <p:ext uri="{BB962C8B-B14F-4D97-AF65-F5344CB8AC3E}">
-        <p14:creationId xmlns:p14="http://schemas.microsoft.com/office/powerpoint/2010/main" val="964068218"/>
+        <p14:creationId xmlns:p14="http://schemas.microsoft.com/office/powerpoint/2010/main" val="3935736470"/>
       </p:ext>
     </p:extLst>
   </p:cSld>
